--- a/documentation/ProjectIdeaPresenation.pptx
+++ b/documentation/ProjectIdeaPresenation.pptx
@@ -1599,7 +1599,21 @@
                 </a:uFill>
                 <a:latin typeface="Arial"/>
               </a:rPr>
-              <a:t>Format des Gliederungstextes durch Klicken bearbeiten</a:t>
+              <a:t>Format des Gliederungstextes durch Klicken </a:t>
+            </a:r>
+            <a:r>
+              <a:rPr b="0" lang="de-CH" sz="3200" spc="-1" strike="noStrike">
+                <a:solidFill>
+                  <a:srgbClr val="000000"/>
+                </a:solidFill>
+                <a:uFill>
+                  <a:solidFill>
+                    <a:srgbClr val="ffffff"/>
+                  </a:solidFill>
+                </a:uFill>
+                <a:latin typeface="Arial"/>
+              </a:rPr>
+              <a:t>bearbeiten</a:t>
             </a:r>
             <a:endParaRPr b="0" lang="de-CH" sz="3200" spc="-1" strike="noStrike">
               <a:solidFill>
@@ -1949,7 +1963,7 @@
           <a:bodyPr lIns="0" rIns="0" tIns="0" bIns="0"/>
           <a:p>
             <a:pPr algn="r"/>
-            <a:fld id="{EC743F20-4612-41D5-AE7B-F8F182052A73}" type="slidenum">
+            <a:fld id="{AC45CD51-A733-47B9-83F9-A408903BC8C6}" type="slidenum">
               <a:rPr b="0" lang="de-CH" sz="1400" spc="-1" strike="noStrike">
                 <a:solidFill>
                   <a:srgbClr val="000000"/>
@@ -2198,6 +2212,33 @@
       </p:sp>
     </p:spTree>
   </p:cSld>
+  <p:timing>
+    <p:tnLst>
+      <p:par>
+        <p:cTn id="1" dur="indefinite" restart="never" nodeType="tmRoot">
+          <p:childTnLst>
+            <p:seq>
+              <p:cTn id="2" nodeType="mainSeq"/>
+              <p:prevCondLst>
+                <p:cond delay="0" evt="onPrev">
+                  <p:tgtEl>
+                    <p:sldTgt/>
+                  </p:tgtEl>
+                </p:cond>
+              </p:prevCondLst>
+              <p:nextCondLst>
+                <p:cond delay="0" evt="onNext">
+                  <p:tgtEl>
+                    <p:sldTgt/>
+                  </p:tgtEl>
+                </p:cond>
+              </p:nextCondLst>
+            </p:seq>
+          </p:childTnLst>
+        </p:cTn>
+      </p:par>
+    </p:tnLst>
+  </p:timing>
 </p:sld>
 </file>
 
@@ -2271,6 +2312,33 @@
       </p:sp>
     </p:spTree>
   </p:cSld>
+  <p:timing>
+    <p:tnLst>
+      <p:par>
+        <p:cTn id="3" dur="indefinite" restart="never" nodeType="tmRoot">
+          <p:childTnLst>
+            <p:seq>
+              <p:cTn id="4" nodeType="mainSeq"/>
+              <p:prevCondLst>
+                <p:cond delay="0" evt="onPrev">
+                  <p:tgtEl>
+                    <p:sldTgt/>
+                  </p:tgtEl>
+                </p:cond>
+              </p:prevCondLst>
+              <p:nextCondLst>
+                <p:cond delay="0" evt="onNext">
+                  <p:tgtEl>
+                    <p:sldTgt/>
+                  </p:tgtEl>
+                </p:cond>
+              </p:nextCondLst>
+            </p:seq>
+          </p:childTnLst>
+        </p:cTn>
+      </p:par>
+    </p:tnLst>
+  </p:timing>
 </p:sld>
 </file>
 
@@ -2577,6 +2645,33 @@
       </p:sp>
     </p:spTree>
   </p:cSld>
+  <p:timing>
+    <p:tnLst>
+      <p:par>
+        <p:cTn id="5" dur="indefinite" restart="never" nodeType="tmRoot">
+          <p:childTnLst>
+            <p:seq>
+              <p:cTn id="6" nodeType="mainSeq"/>
+              <p:prevCondLst>
+                <p:cond delay="0" evt="onPrev">
+                  <p:tgtEl>
+                    <p:sldTgt/>
+                  </p:tgtEl>
+                </p:cond>
+              </p:prevCondLst>
+              <p:nextCondLst>
+                <p:cond delay="0" evt="onNext">
+                  <p:tgtEl>
+                    <p:sldTgt/>
+                  </p:tgtEl>
+                </p:cond>
+              </p:nextCondLst>
+            </p:seq>
+          </p:childTnLst>
+        </p:cTn>
+      </p:par>
+    </p:tnLst>
+  </p:timing>
 </p:sld>
 </file>
 
@@ -2657,6 +2752,33 @@
       </p:sp>
     </p:spTree>
   </p:cSld>
+  <p:timing>
+    <p:tnLst>
+      <p:par>
+        <p:cTn id="7" dur="indefinite" restart="never" nodeType="tmRoot">
+          <p:childTnLst>
+            <p:seq>
+              <p:cTn id="8" nodeType="mainSeq"/>
+              <p:prevCondLst>
+                <p:cond delay="0" evt="onPrev">
+                  <p:tgtEl>
+                    <p:sldTgt/>
+                  </p:tgtEl>
+                </p:cond>
+              </p:prevCondLst>
+              <p:nextCondLst>
+                <p:cond delay="0" evt="onNext">
+                  <p:tgtEl>
+                    <p:sldTgt/>
+                  </p:tgtEl>
+                </p:cond>
+              </p:nextCondLst>
+            </p:seq>
+          </p:childTnLst>
+        </p:cTn>
+      </p:par>
+    </p:tnLst>
+  </p:timing>
 </p:sld>
 </file>
 
